--- a/agentforumguide.pptx
+++ b/agentforumguide.pptx
@@ -6,11 +6,10 @@
   </p:sldMasterIdLst>
   <p:sldIdLst>
     <p:sldId id="259" r:id="rId2"/>
-    <p:sldId id="256" r:id="rId3"/>
-    <p:sldId id="257" r:id="rId4"/>
-    <p:sldId id="258" r:id="rId5"/>
-    <p:sldId id="260" r:id="rId6"/>
-    <p:sldId id="261" r:id="rId7"/>
+    <p:sldId id="257" r:id="rId3"/>
+    <p:sldId id="258" r:id="rId4"/>
+    <p:sldId id="260" r:id="rId5"/>
+    <p:sldId id="261" r:id="rId6"/>
   </p:sldIdLst>
   <p:sldSz cx="12192000" cy="6858000"/>
   <p:notesSz cx="6858000" cy="9144000"/>
@@ -302,7 +301,7 @@
           <a:p>
             <a:fld id="{9145DF61-08B4-4259-8867-D55E32ACA63D}" type="datetimeFigureOut">
               <a:rPr lang="ko-KR" altLang="en-US" smtClean="0"/>
-              <a:t>2025-05-13</a:t>
+              <a:t>2025-06-19</a:t>
             </a:fld>
             <a:endParaRPr lang="ko-KR" altLang="en-US"/>
           </a:p>
@@ -600,7 +599,7 @@
           <a:p>
             <a:fld id="{9145DF61-08B4-4259-8867-D55E32ACA63D}" type="datetimeFigureOut">
               <a:rPr lang="ko-KR" altLang="en-US" smtClean="0"/>
-              <a:t>2025-05-13</a:t>
+              <a:t>2025-06-19</a:t>
             </a:fld>
             <a:endParaRPr lang="ko-KR" altLang="en-US"/>
           </a:p>
@@ -792,7 +791,7 @@
           <a:p>
             <a:fld id="{9145DF61-08B4-4259-8867-D55E32ACA63D}" type="datetimeFigureOut">
               <a:rPr lang="ko-KR" altLang="en-US" smtClean="0"/>
-              <a:t>2025-05-13</a:t>
+              <a:t>2025-06-19</a:t>
             </a:fld>
             <a:endParaRPr lang="ko-KR" altLang="en-US"/>
           </a:p>
@@ -1053,7 +1052,7 @@
           <a:p>
             <a:fld id="{9145DF61-08B4-4259-8867-D55E32ACA63D}" type="datetimeFigureOut">
               <a:rPr lang="ko-KR" altLang="en-US" smtClean="0"/>
-              <a:t>2025-05-13</a:t>
+              <a:t>2025-06-19</a:t>
             </a:fld>
             <a:endParaRPr lang="ko-KR" altLang="en-US"/>
           </a:p>
@@ -1477,7 +1476,7 @@
           <a:p>
             <a:fld id="{9145DF61-08B4-4259-8867-D55E32ACA63D}" type="datetimeFigureOut">
               <a:rPr lang="ko-KR" altLang="en-US" smtClean="0"/>
-              <a:t>2025-05-13</a:t>
+              <a:t>2025-06-19</a:t>
             </a:fld>
             <a:endParaRPr lang="ko-KR" altLang="en-US"/>
           </a:p>
@@ -2014,7 +2013,7 @@
           <a:p>
             <a:fld id="{9145DF61-08B4-4259-8867-D55E32ACA63D}" type="datetimeFigureOut">
               <a:rPr lang="ko-KR" altLang="en-US" smtClean="0"/>
-              <a:t>2025-05-13</a:t>
+              <a:t>2025-06-19</a:t>
             </a:fld>
             <a:endParaRPr lang="ko-KR" altLang="en-US"/>
           </a:p>
@@ -2878,7 +2877,7 @@
           <a:p>
             <a:fld id="{9145DF61-08B4-4259-8867-D55E32ACA63D}" type="datetimeFigureOut">
               <a:rPr lang="ko-KR" altLang="en-US" smtClean="0"/>
-              <a:t>2025-05-13</a:t>
+              <a:t>2025-06-19</a:t>
             </a:fld>
             <a:endParaRPr lang="ko-KR" altLang="en-US"/>
           </a:p>
@@ -3048,7 +3047,7 @@
           <a:p>
             <a:fld id="{9145DF61-08B4-4259-8867-D55E32ACA63D}" type="datetimeFigureOut">
               <a:rPr lang="ko-KR" altLang="en-US" smtClean="0"/>
-              <a:t>2025-05-13</a:t>
+              <a:t>2025-06-19</a:t>
             </a:fld>
             <a:endParaRPr lang="ko-KR" altLang="en-US"/>
           </a:p>
@@ -3232,7 +3231,7 @@
           <a:p>
             <a:fld id="{9145DF61-08B4-4259-8867-D55E32ACA63D}" type="datetimeFigureOut">
               <a:rPr lang="ko-KR" altLang="en-US" smtClean="0"/>
-              <a:t>2025-05-13</a:t>
+              <a:t>2025-06-19</a:t>
             </a:fld>
             <a:endParaRPr lang="ko-KR" altLang="en-US"/>
           </a:p>
@@ -3402,7 +3401,7 @@
           <a:p>
             <a:fld id="{9145DF61-08B4-4259-8867-D55E32ACA63D}" type="datetimeFigureOut">
               <a:rPr lang="ko-KR" altLang="en-US" smtClean="0"/>
-              <a:t>2025-05-13</a:t>
+              <a:t>2025-06-19</a:t>
             </a:fld>
             <a:endParaRPr lang="ko-KR" altLang="en-US"/>
           </a:p>
@@ -3646,7 +3645,7 @@
           <a:p>
             <a:fld id="{9145DF61-08B4-4259-8867-D55E32ACA63D}" type="datetimeFigureOut">
               <a:rPr lang="ko-KR" altLang="en-US" smtClean="0"/>
-              <a:t>2025-05-13</a:t>
+              <a:t>2025-06-19</a:t>
             </a:fld>
             <a:endParaRPr lang="ko-KR" altLang="en-US"/>
           </a:p>
@@ -3882,7 +3881,7 @@
           <a:p>
             <a:fld id="{9145DF61-08B4-4259-8867-D55E32ACA63D}" type="datetimeFigureOut">
               <a:rPr lang="ko-KR" altLang="en-US" smtClean="0"/>
-              <a:t>2025-05-13</a:t>
+              <a:t>2025-06-19</a:t>
             </a:fld>
             <a:endParaRPr lang="ko-KR" altLang="en-US"/>
           </a:p>
@@ -4348,7 +4347,7 @@
           <a:p>
             <a:fld id="{9145DF61-08B4-4259-8867-D55E32ACA63D}" type="datetimeFigureOut">
               <a:rPr lang="ko-KR" altLang="en-US" smtClean="0"/>
-              <a:t>2025-05-13</a:t>
+              <a:t>2025-06-19</a:t>
             </a:fld>
             <a:endParaRPr lang="ko-KR" altLang="en-US"/>
           </a:p>
@@ -4466,7 +4465,7 @@
           <a:p>
             <a:fld id="{9145DF61-08B4-4259-8867-D55E32ACA63D}" type="datetimeFigureOut">
               <a:rPr lang="ko-KR" altLang="en-US" smtClean="0"/>
-              <a:t>2025-05-13</a:t>
+              <a:t>2025-06-19</a:t>
             </a:fld>
             <a:endParaRPr lang="ko-KR" altLang="en-US"/>
           </a:p>
@@ -4561,7 +4560,7 @@
           <a:p>
             <a:fld id="{9145DF61-08B4-4259-8867-D55E32ACA63D}" type="datetimeFigureOut">
               <a:rPr lang="ko-KR" altLang="en-US" smtClean="0"/>
-              <a:t>2025-05-13</a:t>
+              <a:t>2025-06-19</a:t>
             </a:fld>
             <a:endParaRPr lang="ko-KR" altLang="en-US"/>
           </a:p>
@@ -4816,7 +4815,7 @@
           <a:p>
             <a:fld id="{9145DF61-08B4-4259-8867-D55E32ACA63D}" type="datetimeFigureOut">
               <a:rPr lang="ko-KR" altLang="en-US" smtClean="0"/>
-              <a:t>2025-05-13</a:t>
+              <a:t>2025-06-19</a:t>
             </a:fld>
             <a:endParaRPr lang="ko-KR" altLang="en-US"/>
           </a:p>
@@ -5116,7 +5115,7 @@
           <a:p>
             <a:fld id="{9145DF61-08B4-4259-8867-D55E32ACA63D}" type="datetimeFigureOut">
               <a:rPr lang="ko-KR" altLang="en-US" smtClean="0"/>
-              <a:t>2025-05-13</a:t>
+              <a:t>2025-06-19</a:t>
             </a:fld>
             <a:endParaRPr lang="ko-KR" altLang="en-US"/>
           </a:p>
@@ -5350,7 +5349,7 @@
           <a:p>
             <a:fld id="{9145DF61-08B4-4259-8867-D55E32ACA63D}" type="datetimeFigureOut">
               <a:rPr lang="ko-KR" altLang="en-US" smtClean="0"/>
-              <a:t>2025-05-13</a:t>
+              <a:t>2025-06-19</a:t>
             </a:fld>
             <a:endParaRPr lang="ko-KR" altLang="en-US"/>
           </a:p>
@@ -6199,338 +6198,6 @@
   <p:cSld>
     <p:spTree>
       <p:nvGrpSpPr>
-        <p:cNvPr id="1" name=""/>
-        <p:cNvGrpSpPr/>
-        <p:nvPr/>
-      </p:nvGrpSpPr>
-      <p:grpSpPr>
-        <a:xfrm>
-          <a:off x="0" y="0"/>
-          <a:ext cx="0" cy="0"/>
-          <a:chOff x="0" y="0"/>
-          <a:chExt cx="0" cy="0"/>
-        </a:xfrm>
-      </p:grpSpPr>
-      <p:pic>
-        <p:nvPicPr>
-          <p:cNvPr id="5" name="그림 4">
-            <a:extLst>
-              <a:ext uri="{FF2B5EF4-FFF2-40B4-BE49-F238E27FC236}">
-                <a16:creationId xmlns:a16="http://schemas.microsoft.com/office/drawing/2014/main" id="{658C7252-7A1D-3DB4-36B6-2B42CFE81918}"/>
-              </a:ext>
-            </a:extLst>
-          </p:cNvPr>
-          <p:cNvPicPr>
-            <a:picLocks noChangeAspect="1"/>
-          </p:cNvPicPr>
-          <p:nvPr/>
-        </p:nvPicPr>
-        <p:blipFill>
-          <a:blip r:embed="rId2"/>
-          <a:stretch>
-            <a:fillRect/>
-          </a:stretch>
-        </p:blipFill>
-        <p:spPr>
-          <a:xfrm>
-            <a:off x="0" y="537882"/>
-            <a:ext cx="12192000" cy="5782235"/>
-          </a:xfrm>
-          <a:prstGeom prst="rect">
-            <a:avLst/>
-          </a:prstGeom>
-          <a:ln>
-            <a:noFill/>
-          </a:ln>
-          <a:effectLst>
-            <a:softEdge rad="112500"/>
-          </a:effectLst>
-        </p:spPr>
-      </p:pic>
-      <p:cxnSp>
-        <p:nvCxnSpPr>
-          <p:cNvPr id="18" name="직선 화살표 연결선 17">
-            <a:extLst>
-              <a:ext uri="{FF2B5EF4-FFF2-40B4-BE49-F238E27FC236}">
-                <a16:creationId xmlns:a16="http://schemas.microsoft.com/office/drawing/2014/main" id="{46686B7D-1C77-9F52-F630-002C451DECFE}"/>
-              </a:ext>
-            </a:extLst>
-          </p:cNvPr>
-          <p:cNvCxnSpPr>
-            <a:cxnSpLocks/>
-          </p:cNvCxnSpPr>
-          <p:nvPr/>
-        </p:nvCxnSpPr>
-        <p:spPr>
-          <a:xfrm>
-            <a:off x="6096000" y="4365625"/>
-            <a:ext cx="0" cy="982230"/>
-          </a:xfrm>
-          <a:prstGeom prst="straightConnector1">
-            <a:avLst/>
-          </a:prstGeom>
-          <a:ln w="3175">
-            <a:solidFill>
-              <a:srgbClr val="FFC000"/>
-            </a:solidFill>
-            <a:tailEnd type="triangle"/>
-          </a:ln>
-        </p:spPr>
-        <p:style>
-          <a:lnRef idx="1">
-            <a:schemeClr val="accent1"/>
-          </a:lnRef>
-          <a:fillRef idx="0">
-            <a:schemeClr val="accent1"/>
-          </a:fillRef>
-          <a:effectRef idx="0">
-            <a:schemeClr val="accent1"/>
-          </a:effectRef>
-          <a:fontRef idx="minor">
-            <a:schemeClr val="tx1"/>
-          </a:fontRef>
-        </p:style>
-      </p:cxnSp>
-      <p:sp>
-        <p:nvSpPr>
-          <p:cNvPr id="20" name="TextBox 19">
-            <a:extLst>
-              <a:ext uri="{FF2B5EF4-FFF2-40B4-BE49-F238E27FC236}">
-                <a16:creationId xmlns:a16="http://schemas.microsoft.com/office/drawing/2014/main" id="{EE13DD09-E485-C34B-948B-782DECBAFD48}"/>
-              </a:ext>
-            </a:extLst>
-          </p:cNvPr>
-          <p:cNvSpPr txBox="1"/>
-          <p:nvPr/>
-        </p:nvSpPr>
-        <p:spPr>
-          <a:xfrm>
-            <a:off x="3241964" y="5424072"/>
-            <a:ext cx="5708072" cy="461665"/>
-          </a:xfrm>
-          <a:prstGeom prst="rect">
-            <a:avLst/>
-          </a:prstGeom>
-          <a:noFill/>
-        </p:spPr>
-        <p:txBody>
-          <a:bodyPr wrap="square" rtlCol="0">
-            <a:spAutoFit/>
-          </a:bodyPr>
-          <a:lstStyle/>
-          <a:p>
-            <a:r>
-              <a:rPr lang="ko-KR" altLang="en-US" sz="1200" dirty="0">
-                <a:latin typeface="마루 부리OTF 조금굵은" panose="020B0600000101010101" pitchFamily="34" charset="-127"/>
-                <a:ea typeface="마루 부리OTF 조금굵은" panose="020B0600000101010101" pitchFamily="34" charset="-127"/>
-              </a:rPr>
-              <a:t>간단한 </a:t>
-            </a:r>
-            <a:r>
-              <a:rPr lang="en-US" altLang="ko-KR" sz="1200" dirty="0">
-                <a:solidFill>
-                  <a:srgbClr val="FFC000"/>
-                </a:solidFill>
-                <a:latin typeface="마루 부리OTF 조금굵은" panose="020B0600000101010101" pitchFamily="34" charset="-127"/>
-                <a:ea typeface="마루 부리OTF 조금굵은" panose="020B0600000101010101" pitchFamily="34" charset="-127"/>
-              </a:rPr>
-              <a:t>[</a:t>
-            </a:r>
-            <a:r>
-              <a:rPr lang="ko-KR" altLang="en-US" sz="1200" b="1" dirty="0">
-                <a:solidFill>
-                  <a:srgbClr val="FFC000"/>
-                </a:solidFill>
-                <a:latin typeface="마루 부리OTF 조금굵은" panose="020B0600000101010101" pitchFamily="34" charset="-127"/>
-                <a:ea typeface="마루 부리OTF 조금굵은" panose="020B0600000101010101" pitchFamily="34" charset="-127"/>
-              </a:rPr>
-              <a:t>메모</a:t>
-            </a:r>
-            <a:r>
-              <a:rPr lang="en-US" altLang="ko-KR" sz="1200" b="1" dirty="0">
-                <a:solidFill>
-                  <a:srgbClr val="FFC000"/>
-                </a:solidFill>
-                <a:latin typeface="마루 부리OTF 조금굵은" panose="020B0600000101010101" pitchFamily="34" charset="-127"/>
-                <a:ea typeface="마루 부리OTF 조금굵은" panose="020B0600000101010101" pitchFamily="34" charset="-127"/>
-              </a:rPr>
-              <a:t>]</a:t>
-            </a:r>
-            <a:r>
-              <a:rPr lang="ko-KR" altLang="en-US" sz="1200" dirty="0">
-                <a:solidFill>
-                  <a:srgbClr val="FFC000"/>
-                </a:solidFill>
-                <a:latin typeface="마루 부리OTF 조금굵은" panose="020B0600000101010101" pitchFamily="34" charset="-127"/>
-                <a:ea typeface="마루 부리OTF 조금굵은" panose="020B0600000101010101" pitchFamily="34" charset="-127"/>
-              </a:rPr>
-              <a:t> </a:t>
-            </a:r>
-            <a:r>
-              <a:rPr lang="ko-KR" altLang="en-US" sz="1200" dirty="0">
-                <a:latin typeface="마루 부리OTF 조금굵은" panose="020B0600000101010101" pitchFamily="34" charset="-127"/>
-                <a:ea typeface="마루 부리OTF 조금굵은" panose="020B0600000101010101" pitchFamily="34" charset="-127"/>
-              </a:rPr>
-              <a:t>작성이 가능한 도구</a:t>
-            </a:r>
-            <a:r>
-              <a:rPr lang="en-US" altLang="ko-KR" sz="1200" dirty="0">
-                <a:latin typeface="마루 부리OTF 조금굵은" panose="020B0600000101010101" pitchFamily="34" charset="-127"/>
-                <a:ea typeface="마루 부리OTF 조금굵은" panose="020B0600000101010101" pitchFamily="34" charset="-127"/>
-              </a:rPr>
-              <a:t> </a:t>
-            </a:r>
-            <a:r>
-              <a:rPr lang="ko-KR" altLang="en-US" sz="1200" dirty="0">
-                <a:latin typeface="마루 부리OTF 조금굵은" panose="020B0600000101010101" pitchFamily="34" charset="-127"/>
-                <a:ea typeface="마루 부리OTF 조금굵은" panose="020B0600000101010101" pitchFamily="34" charset="-127"/>
-              </a:rPr>
-              <a:t>입니다</a:t>
-            </a:r>
-            <a:r>
-              <a:rPr lang="en-US" altLang="ko-KR" sz="1200" dirty="0">
-                <a:latin typeface="마루 부리OTF 조금굵은" panose="020B0600000101010101" pitchFamily="34" charset="-127"/>
-                <a:ea typeface="마루 부리OTF 조금굵은" panose="020B0600000101010101" pitchFamily="34" charset="-127"/>
-              </a:rPr>
-              <a:t>. </a:t>
-            </a:r>
-            <a:br>
-              <a:rPr lang="en-US" altLang="ko-KR" sz="1200" dirty="0">
-                <a:latin typeface="마루 부리OTF 조금굵은" panose="020B0600000101010101" pitchFamily="34" charset="-127"/>
-                <a:ea typeface="마루 부리OTF 조금굵은" panose="020B0600000101010101" pitchFamily="34" charset="-127"/>
-              </a:rPr>
-            </a:br>
-            <a:r>
-              <a:rPr lang="ko-KR" altLang="en-US" sz="1200" dirty="0">
-                <a:solidFill>
-                  <a:srgbClr val="FF0000"/>
-                </a:solidFill>
-                <a:latin typeface="마루 부리OTF 조금굵은" panose="020B0600000101010101" pitchFamily="34" charset="-127"/>
-                <a:ea typeface="마루 부리OTF 조금굵은" panose="020B0600000101010101" pitchFamily="34" charset="-127"/>
-              </a:rPr>
-              <a:t>단</a:t>
-            </a:r>
-            <a:r>
-              <a:rPr lang="en-US" altLang="ko-KR" sz="1200" dirty="0">
-                <a:solidFill>
-                  <a:srgbClr val="FF0000"/>
-                </a:solidFill>
-                <a:latin typeface="마루 부리OTF 조금굵은" panose="020B0600000101010101" pitchFamily="34" charset="-127"/>
-                <a:ea typeface="마루 부리OTF 조금굵은" panose="020B0600000101010101" pitchFamily="34" charset="-127"/>
-              </a:rPr>
-              <a:t>,</a:t>
-            </a:r>
-            <a:r>
-              <a:rPr lang="ko-KR" altLang="en-US" sz="1200" dirty="0">
-                <a:latin typeface="마루 부리OTF 조금굵은" panose="020B0600000101010101" pitchFamily="34" charset="-127"/>
-                <a:ea typeface="마루 부리OTF 조금굵은" panose="020B0600000101010101" pitchFamily="34" charset="-127"/>
-              </a:rPr>
-              <a:t>인터넷 캐쉬 삭제나 인터넷 기록 삭제 등 하실 경우  해당 데이터가 소멸됩니다</a:t>
-            </a:r>
-            <a:r>
-              <a:rPr lang="en-US" altLang="ko-KR" sz="1200" dirty="0">
-                <a:latin typeface="마루 부리OTF 조금굵은" panose="020B0600000101010101" pitchFamily="34" charset="-127"/>
-                <a:ea typeface="마루 부리OTF 조금굵은" panose="020B0600000101010101" pitchFamily="34" charset="-127"/>
-              </a:rPr>
-              <a:t>.</a:t>
-            </a:r>
-            <a:endParaRPr lang="ko-KR" altLang="en-US" sz="1200" dirty="0">
-              <a:latin typeface="마루 부리OTF 조금굵은" panose="020B0600000101010101" pitchFamily="34" charset="-127"/>
-              <a:ea typeface="마루 부리OTF 조금굵은" panose="020B0600000101010101" pitchFamily="34" charset="-127"/>
-            </a:endParaRPr>
-          </a:p>
-        </p:txBody>
-      </p:sp>
-      <p:pic>
-        <p:nvPicPr>
-          <p:cNvPr id="2" name="그림 1" descr="그래픽, 폰트, 로고, 그래픽 디자인이(가) 표시된 사진&#10;&#10;AI가 생성한 콘텐츠는 부정확할 수 있습니다.">
-            <a:extLst>
-              <a:ext uri="{FF2B5EF4-FFF2-40B4-BE49-F238E27FC236}">
-                <a16:creationId xmlns:a16="http://schemas.microsoft.com/office/drawing/2014/main" id="{59423A26-B5DD-8784-9713-E658BA872955}"/>
-              </a:ext>
-            </a:extLst>
-          </p:cNvPr>
-          <p:cNvPicPr>
-            <a:picLocks noChangeAspect="1"/>
-          </p:cNvPicPr>
-          <p:nvPr/>
-        </p:nvPicPr>
-        <p:blipFill>
-          <a:blip r:embed="rId3">
-            <a:extLst>
-              <a:ext uri="{28A0092B-C50C-407E-A947-70E740481C1C}">
-                <a14:useLocalDpi xmlns:a14="http://schemas.microsoft.com/office/drawing/2010/main" val="0"/>
-              </a:ext>
-            </a:extLst>
-          </a:blip>
-          <a:stretch>
-            <a:fillRect/>
-          </a:stretch>
-        </p:blipFill>
-        <p:spPr>
-          <a:xfrm>
-            <a:off x="10926618" y="0"/>
-            <a:ext cx="1265382" cy="664326"/>
-          </a:xfrm>
-          <a:prstGeom prst="rect">
-            <a:avLst/>
-          </a:prstGeom>
-        </p:spPr>
-      </p:pic>
-      <p:sp>
-        <p:nvSpPr>
-          <p:cNvPr id="3" name="TextBox 2">
-            <a:extLst>
-              <a:ext uri="{FF2B5EF4-FFF2-40B4-BE49-F238E27FC236}">
-                <a16:creationId xmlns:a16="http://schemas.microsoft.com/office/drawing/2014/main" id="{C03839F0-14BC-F6E3-06FB-21C0EB532208}"/>
-              </a:ext>
-            </a:extLst>
-          </p:cNvPr>
-          <p:cNvSpPr txBox="1"/>
-          <p:nvPr/>
-        </p:nvSpPr>
-        <p:spPr>
-          <a:xfrm>
-            <a:off x="11896436" y="6488668"/>
-            <a:ext cx="295564" cy="369332"/>
-          </a:xfrm>
-          <a:prstGeom prst="rect">
-            <a:avLst/>
-          </a:prstGeom>
-          <a:noFill/>
-        </p:spPr>
-        <p:txBody>
-          <a:bodyPr wrap="square" rtlCol="0">
-            <a:spAutoFit/>
-          </a:bodyPr>
-          <a:lstStyle/>
-          <a:p>
-            <a:r>
-              <a:rPr lang="en-US" altLang="ko-KR" dirty="0"/>
-              <a:t>2</a:t>
-            </a:r>
-            <a:endParaRPr lang="ko-KR" altLang="en-US" dirty="0"/>
-          </a:p>
-        </p:txBody>
-      </p:sp>
-    </p:spTree>
-    <p:extLst>
-      <p:ext uri="{BB962C8B-B14F-4D97-AF65-F5344CB8AC3E}">
-        <p14:creationId xmlns:p14="http://schemas.microsoft.com/office/powerpoint/2010/main" val="2590636588"/>
-      </p:ext>
-    </p:extLst>
-  </p:cSld>
-  <p:clrMapOvr>
-    <a:masterClrMapping/>
-  </p:clrMapOvr>
-</p:sld>
-</file>
-
-<file path=ppt/slides/slide3.xml><?xml version="1.0" encoding="utf-8"?>
-<p:sld xmlns:a="http://schemas.openxmlformats.org/drawingml/2006/main" xmlns:r="http://schemas.openxmlformats.org/officeDocument/2006/relationships" xmlns:p="http://schemas.openxmlformats.org/presentationml/2006/main">
-  <p:cSld>
-    <p:spTree>
-      <p:nvGrpSpPr>
         <p:cNvPr id="1" name="">
           <a:extLst>
             <a:ext uri="{FF2B5EF4-FFF2-40B4-BE49-F238E27FC236}">
@@ -6863,7 +6530,7 @@
 </p:sld>
 </file>
 
-<file path=ppt/slides/slide4.xml><?xml version="1.0" encoding="utf-8"?>
+<file path=ppt/slides/slide3.xml><?xml version="1.0" encoding="utf-8"?>
 <p:sld xmlns:a="http://schemas.openxmlformats.org/drawingml/2006/main" xmlns:r="http://schemas.openxmlformats.org/officeDocument/2006/relationships" xmlns:p="http://schemas.openxmlformats.org/presentationml/2006/main">
   <p:cSld>
     <p:spTree>
@@ -7590,7 +7257,7 @@
 </p:sld>
 </file>
 
-<file path=ppt/slides/slide5.xml><?xml version="1.0" encoding="utf-8"?>
+<file path=ppt/slides/slide4.xml><?xml version="1.0" encoding="utf-8"?>
 <p:sld xmlns:a="http://schemas.openxmlformats.org/drawingml/2006/main" xmlns:r="http://schemas.openxmlformats.org/officeDocument/2006/relationships" xmlns:p="http://schemas.openxmlformats.org/presentationml/2006/main">
   <p:cSld>
     <p:spTree>
@@ -7909,7 +7576,7 @@
 </p:sld>
 </file>
 
-<file path=ppt/slides/slide6.xml><?xml version="1.0" encoding="utf-8"?>
+<file path=ppt/slides/slide5.xml><?xml version="1.0" encoding="utf-8"?>
 <p:sld xmlns:a="http://schemas.openxmlformats.org/drawingml/2006/main" xmlns:r="http://schemas.openxmlformats.org/officeDocument/2006/relationships" xmlns:p="http://schemas.openxmlformats.org/presentationml/2006/main">
   <p:cSld>
     <p:spTree>
